--- a/Pop Template.pptx
+++ b/Pop Template.pptx
@@ -258,7 +258,7 @@
             <a:fld id="{54D4857D-62A5-486B-9129-468003D7E020}" type="datetimeFigureOut">
               <a:rPr lang="en-US" smtClean="0"/>
               <a:pPr/>
-              <a:t>9/14/2016</a:t>
+              <a:t>9/26/2016</a:t>
             </a:fld>
             <a:endParaRPr lang="en-US"/>
           </a:p>
@@ -429,7 +429,7 @@
             <a:fld id="{2D2EF2CE-B28C-4ED4-8FD0-48BB3F48846A}" type="datetimeFigureOut">
               <a:rPr lang="en-US" smtClean="0"/>
               <a:pPr/>
-              <a:t>9/14/2016</a:t>
+              <a:t>9/26/2016</a:t>
             </a:fld>
             <a:endParaRPr lang="en-US"/>
           </a:p>
@@ -4125,7 +4125,7 @@
             <a:fld id="{8F67D422-08A8-451B-9A67-21962FC4B660}" type="datetimeFigureOut">
               <a:rPr kumimoji="0" lang="en-US" sz="1100" smtClean="0"/>
               <a:pPr algn="r"/>
-              <a:t>9/14/2016</a:t>
+              <a:t>9/26/2016</a:t>
             </a:fld>
             <a:endParaRPr kumimoji="0" lang="en-US"/>
           </a:p>
@@ -4444,7 +4444,7 @@
             <a:fld id="{8F67D422-08A8-451B-9A67-21962FC4B660}" type="datetimeFigureOut">
               <a:rPr kumimoji="0" lang="en-US" sz="1100" smtClean="0"/>
               <a:pPr algn="r"/>
-              <a:t>9/14/2016</a:t>
+              <a:t>9/26/2016</a:t>
             </a:fld>
             <a:endParaRPr kumimoji="0" lang="en-US"/>
           </a:p>
@@ -4773,7 +4773,7 @@
             <a:fld id="{8F67D422-08A8-451B-9A67-21962FC4B660}" type="datetimeFigureOut">
               <a:rPr kumimoji="0" lang="en-US" sz="1100" smtClean="0"/>
               <a:pPr algn="r"/>
-              <a:t>9/14/2016</a:t>
+              <a:t>9/26/2016</a:t>
             </a:fld>
             <a:endParaRPr kumimoji="0" lang="en-US"/>
           </a:p>
@@ -5020,7 +5020,7 @@
             <a:fld id="{8F67D422-08A8-451B-9A67-21962FC4B660}" type="datetimeFigureOut">
               <a:rPr kumimoji="0" lang="en-US" sz="1100" smtClean="0"/>
               <a:pPr algn="r"/>
-              <a:t>9/14/2016</a:t>
+              <a:t>9/26/2016</a:t>
             </a:fld>
             <a:endParaRPr kumimoji="0" lang="en-US" sz="1050" dirty="0"/>
           </a:p>
@@ -5315,7 +5315,7 @@
             <a:fld id="{8F67D422-08A8-451B-9A67-21962FC4B660}" type="datetimeFigureOut">
               <a:rPr kumimoji="0" lang="en-US" sz="1100" smtClean="0"/>
               <a:pPr algn="r"/>
-              <a:t>9/14/2016</a:t>
+              <a:t>9/26/2016</a:t>
             </a:fld>
             <a:endParaRPr kumimoji="0" lang="en-US" sz="1050" dirty="0"/>
           </a:p>
@@ -5756,7 +5756,7 @@
             <a:fld id="{8F67D422-08A8-451B-9A67-21962FC4B660}" type="datetimeFigureOut">
               <a:rPr kumimoji="0" lang="en-US" sz="1100" smtClean="0"/>
               <a:pPr algn="r"/>
-              <a:t>9/14/2016</a:t>
+              <a:t>9/26/2016</a:t>
             </a:fld>
             <a:endParaRPr kumimoji="0" lang="en-US" sz="1050" dirty="0"/>
           </a:p>
@@ -5877,7 +5877,7 @@
             <a:fld id="{8F67D422-08A8-451B-9A67-21962FC4B660}" type="datetimeFigureOut">
               <a:rPr kumimoji="0" lang="en-US" sz="1100" smtClean="0"/>
               <a:pPr algn="r"/>
-              <a:t>9/14/2016</a:t>
+              <a:t>9/26/2016</a:t>
             </a:fld>
             <a:endParaRPr kumimoji="0" lang="en-US" sz="1050" dirty="0"/>
           </a:p>
@@ -5975,7 +5975,7 @@
             <a:fld id="{8F67D422-08A8-451B-9A67-21962FC4B660}" type="datetimeFigureOut">
               <a:rPr kumimoji="0" lang="en-US" sz="1100" smtClean="0"/>
               <a:pPr algn="r"/>
-              <a:t>9/14/2016</a:t>
+              <a:t>9/26/2016</a:t>
             </a:fld>
             <a:endParaRPr kumimoji="0" lang="en-US" sz="1050" dirty="0"/>
           </a:p>
@@ -6257,7 +6257,7 @@
             <a:fld id="{8F67D422-08A8-451B-9A67-21962FC4B660}" type="datetimeFigureOut">
               <a:rPr kumimoji="0" lang="en-US" sz="1100" smtClean="0"/>
               <a:pPr algn="r"/>
-              <a:t>9/14/2016</a:t>
+              <a:t>9/26/2016</a:t>
             </a:fld>
             <a:endParaRPr kumimoji="0" lang="en-US" sz="1050" dirty="0"/>
           </a:p>
@@ -6535,7 +6535,7 @@
             <a:fld id="{8F67D422-08A8-451B-9A67-21962FC4B660}" type="datetimeFigureOut">
               <a:rPr kumimoji="0" lang="en-US" sz="1100" smtClean="0"/>
               <a:pPr algn="r"/>
-              <a:t>9/14/2016</a:t>
+              <a:t>9/26/2016</a:t>
             </a:fld>
             <a:endParaRPr kumimoji="0" lang="en-US" sz="1050" dirty="0"/>
           </a:p>
@@ -6813,7 +6813,7 @@
             <a:fld id="{8F67D422-08A8-451B-9A67-21962FC4B660}" type="datetimeFigureOut">
               <a:rPr kumimoji="0" lang="en-US" sz="1100" smtClean="0"/>
               <a:pPr algn="r"/>
-              <a:t>9/14/2016</a:t>
+              <a:t>9/26/2016</a:t>
             </a:fld>
             <a:endParaRPr kumimoji="0" lang="en-US" sz="1050" dirty="0"/>
           </a:p>
@@ -6963,7 +6963,7 @@
             <a:fld id="{8F67D422-08A8-451B-9A67-21962FC4B660}" type="datetimeFigureOut">
               <a:rPr kumimoji="0" lang="en-US" sz="1100" smtClean="0"/>
               <a:pPr algn="r"/>
-              <a:t>9/14/2016</a:t>
+              <a:t>9/26/2016</a:t>
             </a:fld>
             <a:endParaRPr kumimoji="0" lang="en-US"/>
           </a:p>
@@ -7179,7 +7179,7 @@
             <a:fld id="{8F67D422-08A8-451B-9A67-21962FC4B660}" type="datetimeFigureOut">
               <a:rPr kumimoji="0" lang="en-US" sz="1100" smtClean="0"/>
               <a:pPr algn="r"/>
-              <a:t>9/14/2016</a:t>
+              <a:t>9/26/2016</a:t>
             </a:fld>
             <a:endParaRPr kumimoji="0" lang="en-US" sz="1050" dirty="0"/>
           </a:p>
@@ -7450,7 +7450,7 @@
             <a:fld id="{8F67D422-08A8-451B-9A67-21962FC4B660}" type="datetimeFigureOut">
               <a:rPr kumimoji="0" lang="en-US" sz="1100" smtClean="0"/>
               <a:pPr algn="r"/>
-              <a:t>9/14/2016</a:t>
+              <a:t>9/26/2016</a:t>
             </a:fld>
             <a:endParaRPr kumimoji="0" lang="en-US" sz="1050" dirty="0"/>
           </a:p>
@@ -7785,7 +7785,7 @@
             <a:fld id="{8F67D422-08A8-451B-9A67-21962FC4B660}" type="datetimeFigureOut">
               <a:rPr kumimoji="0" lang="en-US" sz="1100" smtClean="0"/>
               <a:pPr algn="r"/>
-              <a:t>9/14/2016</a:t>
+              <a:t>9/26/2016</a:t>
             </a:fld>
             <a:endParaRPr kumimoji="0" lang="en-US" sz="1050" dirty="0"/>
           </a:p>
@@ -8398,7 +8398,7 @@
             <a:fld id="{8F67D422-08A8-451B-9A67-21962FC4B660}" type="datetimeFigureOut">
               <a:rPr kumimoji="0" lang="en-US" sz="1100" smtClean="0"/>
               <a:pPr algn="r"/>
-              <a:t>9/14/2016</a:t>
+              <a:t>9/26/2016</a:t>
             </a:fld>
             <a:endParaRPr kumimoji="0" lang="en-US" sz="1050" dirty="0"/>
           </a:p>
@@ -9248,7 +9248,7 @@
             <a:fld id="{8F67D422-08A8-451B-9A67-21962FC4B660}" type="datetimeFigureOut">
               <a:rPr kumimoji="0" lang="en-US" sz="1100" smtClean="0"/>
               <a:pPr algn="r"/>
-              <a:t>9/14/2016</a:t>
+              <a:t>9/26/2016</a:t>
             </a:fld>
             <a:endParaRPr kumimoji="0" lang="en-US" sz="1050" dirty="0"/>
           </a:p>
@@ -9421,7 +9421,7 @@
             <a:fld id="{8F67D422-08A8-451B-9A67-21962FC4B660}" type="datetimeFigureOut">
               <a:rPr kumimoji="0" lang="en-US" sz="1100" smtClean="0"/>
               <a:pPr algn="r"/>
-              <a:t>9/14/2016</a:t>
+              <a:t>9/26/2016</a:t>
             </a:fld>
             <a:endParaRPr kumimoji="0" lang="en-US" sz="1050" dirty="0"/>
           </a:p>
@@ -9604,7 +9604,7 @@
             <a:fld id="{8F67D422-08A8-451B-9A67-21962FC4B660}" type="datetimeFigureOut">
               <a:rPr kumimoji="0" lang="en-US" sz="1100" smtClean="0"/>
               <a:pPr algn="r"/>
-              <a:t>9/14/2016</a:t>
+              <a:t>9/26/2016</a:t>
             </a:fld>
             <a:endParaRPr kumimoji="0" lang="en-US" sz="1050" dirty="0"/>
           </a:p>
@@ -9706,7 +9706,7 @@
             <a:fld id="{1BEBB2CB-903D-46EF-8227-E770ED8FF514}" type="datetimeFigureOut">
               <a:rPr kumimoji="0" lang="en-US" smtClean="0"/>
               <a:pPr/>
-              <a:t>9/14/2016</a:t>
+              <a:t>9/26/2016</a:t>
             </a:fld>
             <a:endParaRPr kumimoji="0" lang="en-US"/>
           </a:p>
@@ -10187,7 +10187,7 @@
             <a:fld id="{8F67D422-08A8-451B-9A67-21962FC4B660}" type="datetimeFigureOut">
               <a:rPr kumimoji="0" lang="en-US" sz="1100" smtClean="0"/>
               <a:pPr algn="r"/>
-              <a:t>9/14/2016</a:t>
+              <a:t>9/26/2016</a:t>
             </a:fld>
             <a:endParaRPr kumimoji="0" lang="en-US"/>
           </a:p>
@@ -10353,7 +10353,7 @@
             <a:fld id="{1BEBB2CB-903D-46EF-8227-E770ED8FF514}" type="datetimeFigureOut">
               <a:rPr kumimoji="0" lang="en-US" smtClean="0"/>
               <a:pPr/>
-              <a:t>9/14/2016</a:t>
+              <a:t>9/26/2016</a:t>
             </a:fld>
             <a:endParaRPr kumimoji="0" lang="en-US"/>
           </a:p>
@@ -10833,7 +10833,7 @@
             <a:fld id="{1BEBB2CB-903D-46EF-8227-E770ED8FF514}" type="datetimeFigureOut">
               <a:rPr kumimoji="0" lang="en-US" smtClean="0"/>
               <a:pPr/>
-              <a:t>9/14/2016</a:t>
+              <a:t>9/26/2016</a:t>
             </a:fld>
             <a:endParaRPr kumimoji="0" lang="en-US" dirty="0"/>
           </a:p>
@@ -11443,7 +11443,7 @@
             <a:fld id="{1BEBB2CB-903D-46EF-8227-E770ED8FF514}" type="datetimeFigureOut">
               <a:rPr kumimoji="0" lang="en-US" smtClean="0"/>
               <a:pPr/>
-              <a:t>9/14/2016</a:t>
+              <a:t>9/26/2016</a:t>
             </a:fld>
             <a:endParaRPr kumimoji="0" lang="en-US"/>
           </a:p>
@@ -11840,7 +11840,7 @@
             <a:fld id="{1BEBB2CB-903D-46EF-8227-E770ED8FF514}" type="datetimeFigureOut">
               <a:rPr kumimoji="0" lang="en-US" smtClean="0"/>
               <a:pPr/>
-              <a:t>9/14/2016</a:t>
+              <a:t>9/26/2016</a:t>
             </a:fld>
             <a:endParaRPr kumimoji="0" lang="en-US"/>
           </a:p>
@@ -12276,7 +12276,7 @@
             <a:fld id="{1BEBB2CB-903D-46EF-8227-E770ED8FF514}" type="datetimeFigureOut">
               <a:rPr kumimoji="0" lang="en-US" smtClean="0"/>
               <a:pPr/>
-              <a:t>9/14/2016</a:t>
+              <a:t>9/26/2016</a:t>
             </a:fld>
             <a:endParaRPr kumimoji="0" lang="en-US"/>
           </a:p>
@@ -13609,7 +13609,7 @@
             <a:fld id="{1BEBB2CB-903D-46EF-8227-E770ED8FF514}" type="datetimeFigureOut">
               <a:rPr kumimoji="0" lang="en-US" smtClean="0"/>
               <a:pPr/>
-              <a:t>9/14/2016</a:t>
+              <a:t>9/26/2016</a:t>
             </a:fld>
             <a:endParaRPr kumimoji="0" lang="en-US"/>
           </a:p>
@@ -14702,7 +14702,7 @@
             <a:fld id="{8F67D422-08A8-451B-9A67-21962FC4B660}" type="datetimeFigureOut">
               <a:rPr kumimoji="0" lang="en-US" sz="1100" smtClean="0"/>
               <a:pPr algn="r"/>
-              <a:t>9/14/2016</a:t>
+              <a:t>9/26/2016</a:t>
             </a:fld>
             <a:endParaRPr kumimoji="0" lang="en-US" sz="1050" dirty="0"/>
           </a:p>
@@ -16062,7 +16062,7 @@
             <a:fld id="{8F67D422-08A8-451B-9A67-21962FC4B660}" type="datetimeFigureOut">
               <a:rPr kumimoji="0" lang="en-US" sz="1100" smtClean="0"/>
               <a:pPr algn="r"/>
-              <a:t>9/14/2016</a:t>
+              <a:t>9/26/2016</a:t>
             </a:fld>
             <a:endParaRPr kumimoji="0" lang="en-US" sz="1050" dirty="0"/>
           </a:p>
@@ -18235,7 +18235,7 @@
           <a:lstStyle/>
           <a:p>
             <a:r>
-              <a:rPr lang="en-US" sz="5400" b="1" dirty="0" smtClean="0">
+              <a:rPr lang="en-US" sz="5400" b="1" dirty="0">
                 <a:ln w="10160">
                   <a:solidFill>
                     <a:schemeClr val="accent5"/>
@@ -18299,7 +18299,7 @@
           <a:lstStyle/>
           <a:p>
             <a:r>
-              <a:rPr lang="en-US" sz="5400" b="1" dirty="0" smtClean="0">
+              <a:rPr lang="en-US" sz="5400" b="1" dirty="0">
                 <a:ln w="10160">
                   <a:solidFill>
                     <a:schemeClr val="accent5"/>
@@ -18362,7 +18362,7 @@
           <a:lstStyle/>
           <a:p>
             <a:r>
-              <a:rPr lang="en-US" sz="6600" b="1" dirty="0" smtClean="0">
+              <a:rPr lang="en-US" sz="6600" b="1" dirty="0">
                 <a:ln w="10160">
                   <a:solidFill>
                     <a:schemeClr val="accent5"/>
@@ -18382,24 +18382,6 @@
               </a:rPr>
               <a:t>ANSWR_18</a:t>
             </a:r>
-            <a:endParaRPr lang="en-US" sz="6600" b="1" dirty="0">
-              <a:ln w="10160">
-                <a:solidFill>
-                  <a:schemeClr val="accent5"/>
-                </a:solidFill>
-                <a:prstDash val="solid"/>
-              </a:ln>
-              <a:solidFill>
-                <a:srgbClr val="FFFFFF"/>
-              </a:solidFill>
-              <a:effectLst>
-                <a:outerShdw blurRad="38100" dist="22860" dir="5400000" algn="tl" rotWithShape="0">
-                  <a:srgbClr val="000000">
-                    <a:alpha val="30000"/>
-                  </a:srgbClr>
-                </a:outerShdw>
-              </a:effectLst>
-            </a:endParaRPr>
           </a:p>
         </p:txBody>
       </p:sp>
@@ -19001,7 +18983,7 @@
           <a:lstStyle/>
           <a:p>
             <a:r>
-              <a:rPr lang="en-US" sz="5400" b="1" dirty="0" smtClean="0">
+              <a:rPr lang="en-US" sz="5400" b="1" dirty="0">
                 <a:ln w="10160">
                   <a:solidFill>
                     <a:schemeClr val="accent5"/>
@@ -19065,7 +19047,7 @@
           <a:lstStyle/>
           <a:p>
             <a:r>
-              <a:rPr lang="en-US" sz="5400" b="1" dirty="0" smtClean="0">
+              <a:rPr lang="en-US" sz="5400" b="1" dirty="0">
                 <a:ln w="10160">
                   <a:solidFill>
                     <a:schemeClr val="accent5"/>
@@ -19128,7 +19110,7 @@
           <a:lstStyle/>
           <a:p>
             <a:r>
-              <a:rPr lang="en-US" sz="6600" b="1" dirty="0" smtClean="0">
+              <a:rPr lang="en-US" sz="6600" b="1" dirty="0">
                 <a:ln w="10160">
                   <a:solidFill>
                     <a:schemeClr val="accent5"/>
@@ -19148,24 +19130,6 @@
               </a:rPr>
               <a:t>ANSWR_21</a:t>
             </a:r>
-            <a:endParaRPr lang="en-US" sz="6600" b="1" dirty="0">
-              <a:ln w="10160">
-                <a:solidFill>
-                  <a:schemeClr val="accent5"/>
-                </a:solidFill>
-                <a:prstDash val="solid"/>
-              </a:ln>
-              <a:solidFill>
-                <a:srgbClr val="FFFFFF"/>
-              </a:solidFill>
-              <a:effectLst>
-                <a:outerShdw blurRad="38100" dist="22860" dir="5400000" algn="tl" rotWithShape="0">
-                  <a:srgbClr val="000000">
-                    <a:alpha val="30000"/>
-                  </a:srgbClr>
-                </a:outerShdw>
-              </a:effectLst>
-            </a:endParaRPr>
           </a:p>
         </p:txBody>
       </p:sp>
@@ -19767,7 +19731,7 @@
           <a:lstStyle/>
           <a:p>
             <a:r>
-              <a:rPr lang="en-US" sz="5400" b="1" dirty="0" smtClean="0">
+              <a:rPr lang="en-US" sz="5400" b="1" dirty="0">
                 <a:ln w="10160">
                   <a:solidFill>
                     <a:schemeClr val="accent5"/>
@@ -19831,7 +19795,7 @@
           <a:lstStyle/>
           <a:p>
             <a:r>
-              <a:rPr lang="en-US" sz="5400" b="1" dirty="0" smtClean="0">
+              <a:rPr lang="en-US" sz="5400" b="1" dirty="0">
                 <a:ln w="10160">
                   <a:solidFill>
                     <a:schemeClr val="accent5"/>
@@ -19894,7 +19858,7 @@
           <a:lstStyle/>
           <a:p>
             <a:r>
-              <a:rPr lang="en-US" sz="6600" b="1" dirty="0" smtClean="0">
+              <a:rPr lang="en-US" sz="6600" b="1" dirty="0">
                 <a:ln w="10160">
                   <a:solidFill>
                     <a:schemeClr val="accent5"/>
@@ -19914,24 +19878,6 @@
               </a:rPr>
               <a:t>ANSWR_24</a:t>
             </a:r>
-            <a:endParaRPr lang="en-US" sz="6600" b="1" dirty="0">
-              <a:ln w="10160">
-                <a:solidFill>
-                  <a:schemeClr val="accent5"/>
-                </a:solidFill>
-                <a:prstDash val="solid"/>
-              </a:ln>
-              <a:solidFill>
-                <a:srgbClr val="FFFFFF"/>
-              </a:solidFill>
-              <a:effectLst>
-                <a:outerShdw blurRad="38100" dist="22860" dir="5400000" algn="tl" rotWithShape="0">
-                  <a:srgbClr val="000000">
-                    <a:alpha val="30000"/>
-                  </a:srgbClr>
-                </a:outerShdw>
-              </a:effectLst>
-            </a:endParaRPr>
           </a:p>
         </p:txBody>
       </p:sp>
@@ -20533,7 +20479,7 @@
           <a:lstStyle/>
           <a:p>
             <a:r>
-              <a:rPr lang="en-US" sz="5400" b="1" dirty="0" smtClean="0">
+              <a:rPr lang="en-US" sz="5400" b="1" dirty="0">
                 <a:ln w="10160">
                   <a:solidFill>
                     <a:schemeClr val="accent5"/>
@@ -20597,7 +20543,7 @@
           <a:lstStyle/>
           <a:p>
             <a:r>
-              <a:rPr lang="en-US" sz="5400" b="1" dirty="0" smtClean="0">
+              <a:rPr lang="en-US" sz="5400" b="1" dirty="0">
                 <a:ln w="10160">
                   <a:solidFill>
                     <a:schemeClr val="accent5"/>
@@ -20660,7 +20606,7 @@
           <a:lstStyle/>
           <a:p>
             <a:r>
-              <a:rPr lang="en-US" sz="6600" b="1" dirty="0" smtClean="0">
+              <a:rPr lang="en-US" sz="6600" b="1" dirty="0">
                 <a:ln w="10160">
                   <a:solidFill>
                     <a:schemeClr val="accent5"/>
@@ -20680,24 +20626,6 @@
               </a:rPr>
               <a:t>ANSWR_27</a:t>
             </a:r>
-            <a:endParaRPr lang="en-US" sz="6600" b="1" dirty="0">
-              <a:ln w="10160">
-                <a:solidFill>
-                  <a:schemeClr val="accent5"/>
-                </a:solidFill>
-                <a:prstDash val="solid"/>
-              </a:ln>
-              <a:solidFill>
-                <a:srgbClr val="FFFFFF"/>
-              </a:solidFill>
-              <a:effectLst>
-                <a:outerShdw blurRad="38100" dist="22860" dir="5400000" algn="tl" rotWithShape="0">
-                  <a:srgbClr val="000000">
-                    <a:alpha val="30000"/>
-                  </a:srgbClr>
-                </a:outerShdw>
-              </a:effectLst>
-            </a:endParaRPr>
           </a:p>
         </p:txBody>
       </p:sp>
@@ -21299,7 +21227,7 @@
           <a:lstStyle/>
           <a:p>
             <a:r>
-              <a:rPr lang="en-US" sz="5400" b="1" dirty="0" smtClean="0">
+              <a:rPr lang="en-US" sz="5400" b="1" dirty="0">
                 <a:ln w="10160">
                   <a:solidFill>
                     <a:schemeClr val="accent5"/>
@@ -21363,7 +21291,7 @@
           <a:lstStyle/>
           <a:p>
             <a:r>
-              <a:rPr lang="en-US" sz="5400" b="1" dirty="0" smtClean="0">
+              <a:rPr lang="en-US" sz="5400" b="1" dirty="0">
                 <a:ln w="10160">
                   <a:solidFill>
                     <a:schemeClr val="accent5"/>
@@ -21426,7 +21354,7 @@
           <a:lstStyle/>
           <a:p>
             <a:r>
-              <a:rPr lang="en-US" sz="6600" b="1" dirty="0" smtClean="0">
+              <a:rPr lang="en-US" sz="6600" b="1" dirty="0">
                 <a:ln w="10160">
                   <a:solidFill>
                     <a:schemeClr val="accent5"/>
@@ -21446,24 +21374,6 @@
               </a:rPr>
               <a:t>ANSWR_30</a:t>
             </a:r>
-            <a:endParaRPr lang="en-US" sz="6600" b="1" dirty="0">
-              <a:ln w="10160">
-                <a:solidFill>
-                  <a:schemeClr val="accent5"/>
-                </a:solidFill>
-                <a:prstDash val="solid"/>
-              </a:ln>
-              <a:solidFill>
-                <a:srgbClr val="FFFFFF"/>
-              </a:solidFill>
-              <a:effectLst>
-                <a:outerShdw blurRad="38100" dist="22860" dir="5400000" algn="tl" rotWithShape="0">
-                  <a:srgbClr val="000000">
-                    <a:alpha val="30000"/>
-                  </a:srgbClr>
-                </a:outerShdw>
-              </a:effectLst>
-            </a:endParaRPr>
           </a:p>
         </p:txBody>
       </p:sp>
@@ -23269,7 +23179,7 @@
           <a:lstStyle/>
           <a:p>
             <a:r>
-              <a:rPr lang="en-US" sz="5400" b="1" dirty="0" smtClean="0">
+              <a:rPr lang="en-US" sz="5400" b="1" dirty="0">
                 <a:ln w="10160">
                   <a:solidFill>
                     <a:schemeClr val="accent5"/>
@@ -23333,7 +23243,7 @@
           <a:lstStyle/>
           <a:p>
             <a:r>
-              <a:rPr lang="en-US" sz="5400" b="1" dirty="0" smtClean="0">
+              <a:rPr lang="en-US" sz="5400" b="1" dirty="0">
                 <a:ln w="10160">
                   <a:solidFill>
                     <a:schemeClr val="accent5"/>
@@ -23396,7 +23306,7 @@
           <a:lstStyle/>
           <a:p>
             <a:r>
-              <a:rPr lang="en-US" sz="6600" b="1" dirty="0" smtClean="0">
+              <a:rPr lang="en-US" sz="6600" b="1" dirty="0">
                 <a:ln w="10160">
                   <a:solidFill>
                     <a:schemeClr val="accent5"/>
@@ -23416,24 +23326,6 @@
               </a:rPr>
               <a:t>ANSWR_33</a:t>
             </a:r>
-            <a:endParaRPr lang="en-US" sz="6600" b="1" dirty="0">
-              <a:ln w="10160">
-                <a:solidFill>
-                  <a:schemeClr val="accent5"/>
-                </a:solidFill>
-                <a:prstDash val="solid"/>
-              </a:ln>
-              <a:solidFill>
-                <a:srgbClr val="FFFFFF"/>
-              </a:solidFill>
-              <a:effectLst>
-                <a:outerShdw blurRad="38100" dist="22860" dir="5400000" algn="tl" rotWithShape="0">
-                  <a:srgbClr val="000000">
-                    <a:alpha val="30000"/>
-                  </a:srgbClr>
-                </a:outerShdw>
-              </a:effectLst>
-            </a:endParaRPr>
           </a:p>
         </p:txBody>
       </p:sp>
@@ -24035,7 +23927,7 @@
           <a:lstStyle/>
           <a:p>
             <a:r>
-              <a:rPr lang="en-US" sz="5400" b="1" dirty="0" smtClean="0">
+              <a:rPr lang="en-US" sz="5400" b="1" dirty="0">
                 <a:ln w="10160">
                   <a:solidFill>
                     <a:schemeClr val="accent5"/>
@@ -24099,7 +23991,7 @@
           <a:lstStyle/>
           <a:p>
             <a:r>
-              <a:rPr lang="en-US" sz="5400" b="1" dirty="0" smtClean="0">
+              <a:rPr lang="en-US" sz="5400" b="1" dirty="0">
                 <a:ln w="10160">
                   <a:solidFill>
                     <a:schemeClr val="accent5"/>
@@ -24162,7 +24054,7 @@
           <a:lstStyle/>
           <a:p>
             <a:r>
-              <a:rPr lang="en-US" sz="6600" b="1" dirty="0" smtClean="0">
+              <a:rPr lang="en-US" sz="6600" b="1" dirty="0">
                 <a:ln w="10160">
                   <a:solidFill>
                     <a:schemeClr val="accent5"/>
@@ -24182,24 +24074,6 @@
               </a:rPr>
               <a:t>ANSWR_36</a:t>
             </a:r>
-            <a:endParaRPr lang="en-US" sz="6600" b="1" dirty="0">
-              <a:ln w="10160">
-                <a:solidFill>
-                  <a:schemeClr val="accent5"/>
-                </a:solidFill>
-                <a:prstDash val="solid"/>
-              </a:ln>
-              <a:solidFill>
-                <a:srgbClr val="FFFFFF"/>
-              </a:solidFill>
-              <a:effectLst>
-                <a:outerShdw blurRad="38100" dist="22860" dir="5400000" algn="tl" rotWithShape="0">
-                  <a:srgbClr val="000000">
-                    <a:alpha val="30000"/>
-                  </a:srgbClr>
-                </a:outerShdw>
-              </a:effectLst>
-            </a:endParaRPr>
           </a:p>
         </p:txBody>
       </p:sp>
@@ -24932,7 +24806,7 @@
           <a:lstStyle/>
           <a:p>
             <a:r>
-              <a:rPr lang="en-US" sz="5400" b="1" dirty="0" smtClean="0">
+              <a:rPr lang="en-US" sz="5400" b="1" dirty="0">
                 <a:ln w="10160">
                   <a:solidFill>
                     <a:schemeClr val="accent5"/>
@@ -24996,7 +24870,7 @@
           <a:lstStyle/>
           <a:p>
             <a:r>
-              <a:rPr lang="en-US" sz="5400" b="1" dirty="0" smtClean="0">
+              <a:rPr lang="en-US" sz="5400" b="1" dirty="0">
                 <a:ln w="10160">
                   <a:solidFill>
                     <a:schemeClr val="accent5"/>
@@ -25059,7 +24933,7 @@
           <a:lstStyle/>
           <a:p>
             <a:r>
-              <a:rPr lang="en-US" sz="6600" b="1" dirty="0" smtClean="0">
+              <a:rPr lang="en-US" sz="6600" b="1" dirty="0">
                 <a:ln w="10160">
                   <a:solidFill>
                     <a:schemeClr val="accent5"/>
@@ -25079,24 +24953,6 @@
               </a:rPr>
               <a:t>ANSWR_39</a:t>
             </a:r>
-            <a:endParaRPr lang="en-US" sz="6600" b="1" dirty="0">
-              <a:ln w="10160">
-                <a:solidFill>
-                  <a:schemeClr val="accent5"/>
-                </a:solidFill>
-                <a:prstDash val="solid"/>
-              </a:ln>
-              <a:solidFill>
-                <a:srgbClr val="FFFFFF"/>
-              </a:solidFill>
-              <a:effectLst>
-                <a:outerShdw blurRad="38100" dist="22860" dir="5400000" algn="tl" rotWithShape="0">
-                  <a:srgbClr val="000000">
-                    <a:alpha val="30000"/>
-                  </a:srgbClr>
-                </a:outerShdw>
-              </a:effectLst>
-            </a:endParaRPr>
           </a:p>
         </p:txBody>
       </p:sp>
@@ -25698,7 +25554,7 @@
           <a:lstStyle/>
           <a:p>
             <a:r>
-              <a:rPr lang="en-US" sz="5400" b="1" dirty="0" smtClean="0">
+              <a:rPr lang="en-US" sz="5400" b="1" dirty="0">
                 <a:ln w="10160">
                   <a:solidFill>
                     <a:schemeClr val="accent5"/>
@@ -25762,7 +25618,7 @@
           <a:lstStyle/>
           <a:p>
             <a:r>
-              <a:rPr lang="en-US" sz="5400" b="1" dirty="0" smtClean="0">
+              <a:rPr lang="en-US" sz="5400" b="1" dirty="0">
                 <a:ln w="10160">
                   <a:solidFill>
                     <a:schemeClr val="accent5"/>
@@ -25825,7 +25681,7 @@
           <a:lstStyle/>
           <a:p>
             <a:r>
-              <a:rPr lang="en-US" sz="6600" b="1" dirty="0" smtClean="0">
+              <a:rPr lang="en-US" sz="6600" b="1" dirty="0">
                 <a:ln w="10160">
                   <a:solidFill>
                     <a:schemeClr val="accent5"/>
@@ -25845,24 +25701,6 @@
               </a:rPr>
               <a:t>ANSWR_42</a:t>
             </a:r>
-            <a:endParaRPr lang="en-US" sz="6600" b="1" dirty="0">
-              <a:ln w="10160">
-                <a:solidFill>
-                  <a:schemeClr val="accent5"/>
-                </a:solidFill>
-                <a:prstDash val="solid"/>
-              </a:ln>
-              <a:solidFill>
-                <a:srgbClr val="FFFFFF"/>
-              </a:solidFill>
-              <a:effectLst>
-                <a:outerShdw blurRad="38100" dist="22860" dir="5400000" algn="tl" rotWithShape="0">
-                  <a:srgbClr val="000000">
-                    <a:alpha val="30000"/>
-                  </a:srgbClr>
-                </a:outerShdw>
-              </a:effectLst>
-            </a:endParaRPr>
           </a:p>
         </p:txBody>
       </p:sp>
@@ -26464,7 +26302,7 @@
           <a:lstStyle/>
           <a:p>
             <a:r>
-              <a:rPr lang="en-US" sz="5400" b="1" dirty="0" smtClean="0">
+              <a:rPr lang="en-US" sz="5400" b="1" dirty="0">
                 <a:ln w="10160">
                   <a:solidFill>
                     <a:schemeClr val="accent5"/>
@@ -26528,7 +26366,7 @@
           <a:lstStyle/>
           <a:p>
             <a:r>
-              <a:rPr lang="en-US" sz="5400" b="1" dirty="0" smtClean="0">
+              <a:rPr lang="en-US" sz="5400" b="1" dirty="0">
                 <a:ln w="10160">
                   <a:solidFill>
                     <a:schemeClr val="accent5"/>
@@ -26591,7 +26429,7 @@
           <a:lstStyle/>
           <a:p>
             <a:r>
-              <a:rPr lang="en-US" sz="6600" b="1" dirty="0" smtClean="0">
+              <a:rPr lang="en-US" sz="6600" b="1" dirty="0">
                 <a:ln w="10160">
                   <a:solidFill>
                     <a:schemeClr val="accent5"/>
@@ -26611,24 +26449,6 @@
               </a:rPr>
               <a:t>ANSWR_45</a:t>
             </a:r>
-            <a:endParaRPr lang="en-US" sz="6600" b="1" dirty="0">
-              <a:ln w="10160">
-                <a:solidFill>
-                  <a:schemeClr val="accent5"/>
-                </a:solidFill>
-                <a:prstDash val="solid"/>
-              </a:ln>
-              <a:solidFill>
-                <a:srgbClr val="FFFFFF"/>
-              </a:solidFill>
-              <a:effectLst>
-                <a:outerShdw blurRad="38100" dist="22860" dir="5400000" algn="tl" rotWithShape="0">
-                  <a:srgbClr val="000000">
-                    <a:alpha val="30000"/>
-                  </a:srgbClr>
-                </a:outerShdw>
-              </a:effectLst>
-            </a:endParaRPr>
           </a:p>
         </p:txBody>
       </p:sp>
@@ -27312,7 +27132,7 @@
                   </a:outerShdw>
                 </a:effectLst>
               </a:rPr>
-              <a:t>Qstn_16</a:t>
+              <a:t>QSTN_16</a:t>
             </a:r>
             <a:endParaRPr lang="en-US" sz="5400" b="0" cap="none" spc="0" dirty="0">
               <a:ln w="0"/>
@@ -27353,7 +27173,7 @@
           <a:lstStyle/>
           <a:p>
             <a:r>
-              <a:rPr lang="en-US" sz="5400" dirty="0">
+              <a:rPr lang="en-US" sz="5400">
                 <a:ln w="0"/>
                 <a:effectLst>
                   <a:outerShdw blurRad="38100" dist="19050" dir="2700000" algn="tl" rotWithShape="0">
@@ -27363,7 +27183,7 @@
                   </a:outerShdw>
                 </a:effectLst>
               </a:rPr>
-              <a:t>Qstn_20</a:t>
+              <a:t>QSTN_20</a:t>
             </a:r>
             <a:endParaRPr lang="en-US" sz="5400" b="0" cap="none" spc="0" dirty="0">
               <a:ln w="0"/>
@@ -27414,7 +27234,7 @@
                   </a:outerShdw>
                 </a:effectLst>
               </a:rPr>
-              <a:t>Qstn_19</a:t>
+              <a:t>QSTN_19</a:t>
             </a:r>
             <a:endParaRPr lang="en-US" sz="5400" b="0" cap="none" spc="0" dirty="0">
               <a:ln w="0"/>
@@ -27465,7 +27285,7 @@
                   </a:outerShdw>
                 </a:effectLst>
               </a:rPr>
-              <a:t>Qstn_18</a:t>
+              <a:t>QSTN_18</a:t>
             </a:r>
             <a:endParaRPr lang="en-US" sz="5400" b="0" cap="none" spc="0" dirty="0">
               <a:ln w="0"/>
@@ -27516,7 +27336,7 @@
                   </a:outerShdw>
                 </a:effectLst>
               </a:rPr>
-              <a:t>Qstn_17</a:t>
+              <a:t>QSTN_17</a:t>
             </a:r>
             <a:endParaRPr lang="en-US" sz="5400" b="0" cap="none" spc="0" dirty="0">
               <a:ln w="0"/>
@@ -28327,7 +28147,7 @@
           <a:lstStyle/>
           <a:p>
             <a:r>
-              <a:rPr lang="en-US" sz="5400" b="1" dirty="0" smtClean="0">
+              <a:rPr lang="en-US" sz="5400" b="1" dirty="0">
                 <a:ln w="10160">
                   <a:solidFill>
                     <a:schemeClr val="accent5"/>
@@ -28391,7 +28211,7 @@
           <a:lstStyle/>
           <a:p>
             <a:r>
-              <a:rPr lang="en-US" sz="5400" b="1" dirty="0" smtClean="0">
+              <a:rPr lang="en-US" sz="5400" b="1" dirty="0">
                 <a:ln w="10160">
                   <a:solidFill>
                     <a:schemeClr val="accent5"/>
@@ -28454,7 +28274,7 @@
           <a:lstStyle/>
           <a:p>
             <a:r>
-              <a:rPr lang="en-US" sz="6600" b="1" dirty="0" smtClean="0">
+              <a:rPr lang="en-US" sz="6600" b="1" dirty="0">
                 <a:ln w="10160">
                   <a:solidFill>
                     <a:schemeClr val="accent5"/>
@@ -28474,24 +28294,6 @@
               </a:rPr>
               <a:t>ANSWR_48</a:t>
             </a:r>
-            <a:endParaRPr lang="en-US" sz="6600" b="1" dirty="0">
-              <a:ln w="10160">
-                <a:solidFill>
-                  <a:schemeClr val="accent5"/>
-                </a:solidFill>
-                <a:prstDash val="solid"/>
-              </a:ln>
-              <a:solidFill>
-                <a:srgbClr val="FFFFFF"/>
-              </a:solidFill>
-              <a:effectLst>
-                <a:outerShdw blurRad="38100" dist="22860" dir="5400000" algn="tl" rotWithShape="0">
-                  <a:srgbClr val="000000">
-                    <a:alpha val="30000"/>
-                  </a:srgbClr>
-                </a:outerShdw>
-              </a:effectLst>
-            </a:endParaRPr>
           </a:p>
         </p:txBody>
       </p:sp>
@@ -29093,7 +28895,7 @@
           <a:lstStyle/>
           <a:p>
             <a:r>
-              <a:rPr lang="en-US" sz="5400" b="1" dirty="0" smtClean="0">
+              <a:rPr lang="en-US" sz="5400" b="1" dirty="0">
                 <a:ln w="10160">
                   <a:solidFill>
                     <a:schemeClr val="accent5"/>
@@ -29157,7 +28959,7 @@
           <a:lstStyle/>
           <a:p>
             <a:r>
-              <a:rPr lang="en-US" sz="5400" b="1" dirty="0" smtClean="0">
+              <a:rPr lang="en-US" sz="5400" b="1" dirty="0">
                 <a:ln w="10160">
                   <a:solidFill>
                     <a:schemeClr val="accent5"/>
@@ -29220,7 +29022,7 @@
           <a:lstStyle/>
           <a:p>
             <a:r>
-              <a:rPr lang="en-US" sz="6600" b="1" dirty="0" smtClean="0">
+              <a:rPr lang="en-US" sz="6600" b="1" dirty="0">
                 <a:ln w="10160">
                   <a:solidFill>
                     <a:schemeClr val="accent5"/>
@@ -29240,24 +29042,6 @@
               </a:rPr>
               <a:t>ANSWR_51</a:t>
             </a:r>
-            <a:endParaRPr lang="en-US" sz="6600" b="1" dirty="0">
-              <a:ln w="10160">
-                <a:solidFill>
-                  <a:schemeClr val="accent5"/>
-                </a:solidFill>
-                <a:prstDash val="solid"/>
-              </a:ln>
-              <a:solidFill>
-                <a:srgbClr val="FFFFFF"/>
-              </a:solidFill>
-              <a:effectLst>
-                <a:outerShdw blurRad="38100" dist="22860" dir="5400000" algn="tl" rotWithShape="0">
-                  <a:srgbClr val="000000">
-                    <a:alpha val="30000"/>
-                  </a:srgbClr>
-                </a:outerShdw>
-              </a:effectLst>
-            </a:endParaRPr>
           </a:p>
         </p:txBody>
       </p:sp>
@@ -29859,7 +29643,7 @@
           <a:lstStyle/>
           <a:p>
             <a:r>
-              <a:rPr lang="en-US" sz="5400" b="1" dirty="0" smtClean="0">
+              <a:rPr lang="en-US" sz="5400" b="1" dirty="0">
                 <a:ln w="10160">
                   <a:solidFill>
                     <a:schemeClr val="accent5"/>
@@ -29923,7 +29707,7 @@
           <a:lstStyle/>
           <a:p>
             <a:r>
-              <a:rPr lang="en-US" sz="5400" b="1" dirty="0" smtClean="0">
+              <a:rPr lang="en-US" sz="5400" b="1" dirty="0">
                 <a:ln w="10160">
                   <a:solidFill>
                     <a:schemeClr val="accent5"/>
@@ -29986,7 +29770,7 @@
           <a:lstStyle/>
           <a:p>
             <a:r>
-              <a:rPr lang="en-US" sz="6600" b="1" dirty="0" smtClean="0">
+              <a:rPr lang="en-US" sz="6600" b="1" dirty="0">
                 <a:ln w="10160">
                   <a:solidFill>
                     <a:schemeClr val="accent5"/>
@@ -30006,24 +29790,6 @@
               </a:rPr>
               <a:t>ANSWR_54</a:t>
             </a:r>
-            <a:endParaRPr lang="en-US" sz="6600" b="1" dirty="0">
-              <a:ln w="10160">
-                <a:solidFill>
-                  <a:schemeClr val="accent5"/>
-                </a:solidFill>
-                <a:prstDash val="solid"/>
-              </a:ln>
-              <a:solidFill>
-                <a:srgbClr val="FFFFFF"/>
-              </a:solidFill>
-              <a:effectLst>
-                <a:outerShdw blurRad="38100" dist="22860" dir="5400000" algn="tl" rotWithShape="0">
-                  <a:srgbClr val="000000">
-                    <a:alpha val="30000"/>
-                  </a:srgbClr>
-                </a:outerShdw>
-              </a:effectLst>
-            </a:endParaRPr>
           </a:p>
         </p:txBody>
       </p:sp>
@@ -30625,7 +30391,7 @@
           <a:lstStyle/>
           <a:p>
             <a:r>
-              <a:rPr lang="en-US" sz="5400" b="1" dirty="0" smtClean="0">
+              <a:rPr lang="en-US" sz="5400" b="1" dirty="0">
                 <a:ln w="10160">
                   <a:solidFill>
                     <a:schemeClr val="accent5"/>
@@ -30689,7 +30455,7 @@
           <a:lstStyle/>
           <a:p>
             <a:r>
-              <a:rPr lang="en-US" sz="5400" b="1" dirty="0" smtClean="0">
+              <a:rPr lang="en-US" sz="5400" b="1" dirty="0">
                 <a:ln w="10160">
                   <a:solidFill>
                     <a:schemeClr val="accent5"/>
@@ -30752,7 +30518,7 @@
           <a:lstStyle/>
           <a:p>
             <a:r>
-              <a:rPr lang="en-US" sz="6600" b="1" dirty="0" smtClean="0">
+              <a:rPr lang="en-US" sz="6600" b="1" dirty="0">
                 <a:ln w="10160">
                   <a:solidFill>
                     <a:schemeClr val="accent5"/>
@@ -30772,24 +30538,6 @@
               </a:rPr>
               <a:t>ANSWR_57</a:t>
             </a:r>
-            <a:endParaRPr lang="en-US" sz="6600" b="1" dirty="0">
-              <a:ln w="10160">
-                <a:solidFill>
-                  <a:schemeClr val="accent5"/>
-                </a:solidFill>
-                <a:prstDash val="solid"/>
-              </a:ln>
-              <a:solidFill>
-                <a:srgbClr val="FFFFFF"/>
-              </a:solidFill>
-              <a:effectLst>
-                <a:outerShdw blurRad="38100" dist="22860" dir="5400000" algn="tl" rotWithShape="0">
-                  <a:srgbClr val="000000">
-                    <a:alpha val="30000"/>
-                  </a:srgbClr>
-                </a:outerShdw>
-              </a:effectLst>
-            </a:endParaRPr>
           </a:p>
         </p:txBody>
       </p:sp>
@@ -31391,7 +31139,7 @@
           <a:lstStyle/>
           <a:p>
             <a:r>
-              <a:rPr lang="en-US" sz="5400" b="1" dirty="0" smtClean="0">
+              <a:rPr lang="en-US" sz="5400" b="1" dirty="0">
                 <a:ln w="10160">
                   <a:solidFill>
                     <a:schemeClr val="accent5"/>
@@ -31455,7 +31203,7 @@
           <a:lstStyle/>
           <a:p>
             <a:r>
-              <a:rPr lang="en-US" sz="5400" b="1" dirty="0" smtClean="0">
+              <a:rPr lang="en-US" sz="5400" b="1" dirty="0">
                 <a:ln w="10160">
                   <a:solidFill>
                     <a:schemeClr val="accent5"/>
@@ -31518,7 +31266,7 @@
           <a:lstStyle/>
           <a:p>
             <a:r>
-              <a:rPr lang="en-US" sz="6600" b="1" dirty="0" smtClean="0">
+              <a:rPr lang="en-US" sz="6600" b="1" dirty="0">
                 <a:ln w="10160">
                   <a:solidFill>
                     <a:schemeClr val="accent5"/>
@@ -31538,24 +31286,6 @@
               </a:rPr>
               <a:t>ANSWR_60</a:t>
             </a:r>
-            <a:endParaRPr lang="en-US" sz="6600" b="1" dirty="0">
-              <a:ln w="10160">
-                <a:solidFill>
-                  <a:schemeClr val="accent5"/>
-                </a:solidFill>
-                <a:prstDash val="solid"/>
-              </a:ln>
-              <a:solidFill>
-                <a:srgbClr val="FFFFFF"/>
-              </a:solidFill>
-              <a:effectLst>
-                <a:outerShdw blurRad="38100" dist="22860" dir="5400000" algn="tl" rotWithShape="0">
-                  <a:srgbClr val="000000">
-                    <a:alpha val="30000"/>
-                  </a:srgbClr>
-                </a:outerShdw>
-              </a:effectLst>
-            </a:endParaRPr>
           </a:p>
         </p:txBody>
       </p:sp>
@@ -32362,7 +32092,7 @@
           <a:lstStyle/>
           <a:p>
             <a:r>
-              <a:rPr lang="en-US" sz="5400" dirty="0" smtClean="0">
+              <a:rPr lang="en-US" sz="5400" dirty="0">
                 <a:ln w="0"/>
                 <a:effectLst>
                   <a:outerShdw blurRad="38100" dist="19050" dir="2700000" algn="tl" rotWithShape="0">
@@ -33184,10 +32914,9 @@
           <a:lstStyle/>
           <a:p>
             <a:r>
-              <a:rPr lang="en-US" sz="3800" i="1" dirty="0" smtClean="0"/>
+              <a:rPr lang="en-US" sz="3800" i="1" dirty="0"/>
               <a:t>QSTN_21</a:t>
             </a:r>
-            <a:endParaRPr lang="en-US" sz="3800" i="1" dirty="0"/>
           </a:p>
         </p:txBody>
       </p:sp>
@@ -33388,7 +33117,7 @@
           <a:lstStyle/>
           <a:p>
             <a:r>
-              <a:rPr lang="en-US" sz="5400" b="1" dirty="0" smtClean="0">
+              <a:rPr lang="en-US" sz="5400" b="1" dirty="0">
                 <a:ln w="10160">
                   <a:solidFill>
                     <a:schemeClr val="accent5"/>
@@ -33452,7 +33181,7 @@
           <a:lstStyle/>
           <a:p>
             <a:r>
-              <a:rPr lang="en-US" sz="5400" b="1" dirty="0" smtClean="0">
+              <a:rPr lang="en-US" sz="5400" b="1" dirty="0">
                 <a:ln w="10160">
                   <a:solidFill>
                     <a:schemeClr val="accent5"/>
@@ -33515,7 +33244,7 @@
           <a:lstStyle/>
           <a:p>
             <a:r>
-              <a:rPr lang="en-US" sz="6600" b="1" smtClean="0">
+              <a:rPr lang="en-US" sz="6600" b="1">
                 <a:ln w="10160">
                   <a:solidFill>
                     <a:schemeClr val="accent5"/>
@@ -34533,7 +34262,7 @@
           <a:lstStyle/>
           <a:p>
             <a:r>
-              <a:rPr lang="en-US" sz="5400" b="1" cap="none" spc="0" dirty="0" smtClean="0">
+              <a:rPr lang="en-US" sz="5400" b="1" cap="none" spc="0" dirty="0">
                 <a:ln w="10160">
                   <a:solidFill>
                     <a:schemeClr val="accent5"/>
@@ -34553,24 +34282,6 @@
               </a:rPr>
               <a:t>ANSWR_1</a:t>
             </a:r>
-            <a:endParaRPr lang="en-US" sz="5400" b="1" cap="none" spc="0" dirty="0">
-              <a:ln w="10160">
-                <a:solidFill>
-                  <a:schemeClr val="accent5"/>
-                </a:solidFill>
-                <a:prstDash val="solid"/>
-              </a:ln>
-              <a:solidFill>
-                <a:srgbClr val="FFFFFF"/>
-              </a:solidFill>
-              <a:effectLst>
-                <a:outerShdw blurRad="38100" dist="22860" dir="5400000" algn="tl" rotWithShape="0">
-                  <a:srgbClr val="000000">
-                    <a:alpha val="30000"/>
-                  </a:srgbClr>
-                </a:outerShdw>
-              </a:effectLst>
-            </a:endParaRPr>
           </a:p>
         </p:txBody>
       </p:sp>
@@ -34597,7 +34308,7 @@
           <a:lstStyle/>
           <a:p>
             <a:r>
-              <a:rPr lang="en-US" sz="5400" b="1" cap="none" spc="0" dirty="0" smtClean="0">
+              <a:rPr lang="en-US" sz="5400" b="1" cap="none" spc="0" dirty="0">
                 <a:ln w="10160">
                   <a:solidFill>
                     <a:schemeClr val="accent5"/>
@@ -34617,24 +34328,6 @@
               </a:rPr>
               <a:t>ANSWR_2</a:t>
             </a:r>
-            <a:endParaRPr lang="en-US" sz="5400" b="1" cap="none" spc="0" dirty="0">
-              <a:ln w="10160">
-                <a:solidFill>
-                  <a:schemeClr val="accent5"/>
-                </a:solidFill>
-                <a:prstDash val="solid"/>
-              </a:ln>
-              <a:solidFill>
-                <a:srgbClr val="FFFFFF"/>
-              </a:solidFill>
-              <a:effectLst>
-                <a:outerShdw blurRad="38100" dist="22860" dir="5400000" algn="tl" rotWithShape="0">
-                  <a:srgbClr val="000000">
-                    <a:alpha val="30000"/>
-                  </a:srgbClr>
-                </a:outerShdw>
-              </a:effectLst>
-            </a:endParaRPr>
           </a:p>
         </p:txBody>
       </p:sp>
@@ -34660,7 +34353,7 @@
           <a:lstStyle/>
           <a:p>
             <a:r>
-              <a:rPr lang="en-US" sz="6600" b="1" dirty="0" smtClean="0">
+              <a:rPr lang="en-US" sz="6600" b="1" dirty="0">
                 <a:ln w="10160">
                   <a:solidFill>
                     <a:schemeClr val="accent5"/>
@@ -34680,24 +34373,6 @@
               </a:rPr>
               <a:t>ANSWR_3</a:t>
             </a:r>
-            <a:endParaRPr lang="en-US" sz="6600" b="1" dirty="0">
-              <a:ln w="10160">
-                <a:solidFill>
-                  <a:schemeClr val="accent5"/>
-                </a:solidFill>
-                <a:prstDash val="solid"/>
-              </a:ln>
-              <a:solidFill>
-                <a:srgbClr val="FFFFFF"/>
-              </a:solidFill>
-              <a:effectLst>
-                <a:outerShdw blurRad="38100" dist="22860" dir="5400000" algn="tl" rotWithShape="0">
-                  <a:srgbClr val="000000">
-                    <a:alpha val="30000"/>
-                  </a:srgbClr>
-                </a:outerShdw>
-              </a:effectLst>
-            </a:endParaRPr>
           </a:p>
         </p:txBody>
       </p:sp>
@@ -35299,7 +34974,7 @@
           <a:lstStyle/>
           <a:p>
             <a:r>
-              <a:rPr lang="en-US" sz="5400" b="1" cap="none" spc="0" dirty="0" smtClean="0">
+              <a:rPr lang="en-US" sz="5400" b="1" cap="none" spc="0" dirty="0">
                 <a:ln w="10160">
                   <a:solidFill>
                     <a:schemeClr val="accent5"/>
@@ -35319,24 +34994,6 @@
               </a:rPr>
               <a:t>ANSWR_4</a:t>
             </a:r>
-            <a:endParaRPr lang="en-US" sz="5400" b="1" cap="none" spc="0" dirty="0">
-              <a:ln w="10160">
-                <a:solidFill>
-                  <a:schemeClr val="accent5"/>
-                </a:solidFill>
-                <a:prstDash val="solid"/>
-              </a:ln>
-              <a:solidFill>
-                <a:srgbClr val="FFFFFF"/>
-              </a:solidFill>
-              <a:effectLst>
-                <a:outerShdw blurRad="38100" dist="22860" dir="5400000" algn="tl" rotWithShape="0">
-                  <a:srgbClr val="000000">
-                    <a:alpha val="30000"/>
-                  </a:srgbClr>
-                </a:outerShdw>
-              </a:effectLst>
-            </a:endParaRPr>
           </a:p>
         </p:txBody>
       </p:sp>
@@ -35363,7 +35020,7 @@
           <a:lstStyle/>
           <a:p>
             <a:r>
-              <a:rPr lang="en-US" sz="5400" b="1" dirty="0" smtClean="0">
+              <a:rPr lang="en-US" sz="5400" b="1" dirty="0">
                 <a:ln w="10160">
                   <a:solidFill>
                     <a:schemeClr val="accent5"/>
@@ -35383,24 +35040,6 @@
               </a:rPr>
               <a:t>ANSWR_5</a:t>
             </a:r>
-            <a:endParaRPr lang="en-US" sz="5400" b="1" dirty="0">
-              <a:ln w="10160">
-                <a:solidFill>
-                  <a:schemeClr val="accent5"/>
-                </a:solidFill>
-                <a:prstDash val="solid"/>
-              </a:ln>
-              <a:solidFill>
-                <a:srgbClr val="FFFFFF"/>
-              </a:solidFill>
-              <a:effectLst>
-                <a:outerShdw blurRad="38100" dist="22860" dir="5400000" algn="tl" rotWithShape="0">
-                  <a:srgbClr val="000000">
-                    <a:alpha val="30000"/>
-                  </a:srgbClr>
-                </a:outerShdw>
-              </a:effectLst>
-            </a:endParaRPr>
           </a:p>
         </p:txBody>
       </p:sp>
@@ -35426,7 +35065,7 @@
           <a:lstStyle/>
           <a:p>
             <a:r>
-              <a:rPr lang="en-US" sz="6600" b="1" dirty="0" smtClean="0">
+              <a:rPr lang="en-US" sz="6600" b="1" dirty="0">
                 <a:ln w="10160">
                   <a:solidFill>
                     <a:schemeClr val="accent5"/>
@@ -35446,24 +35085,6 @@
               </a:rPr>
               <a:t>ANSWR_6</a:t>
             </a:r>
-            <a:endParaRPr lang="en-US" sz="6600" b="1" dirty="0">
-              <a:ln w="10160">
-                <a:solidFill>
-                  <a:schemeClr val="accent5"/>
-                </a:solidFill>
-                <a:prstDash val="solid"/>
-              </a:ln>
-              <a:solidFill>
-                <a:srgbClr val="FFFFFF"/>
-              </a:solidFill>
-              <a:effectLst>
-                <a:outerShdw blurRad="38100" dist="22860" dir="5400000" algn="tl" rotWithShape="0">
-                  <a:srgbClr val="000000">
-                    <a:alpha val="30000"/>
-                  </a:srgbClr>
-                </a:outerShdw>
-              </a:effectLst>
-            </a:endParaRPr>
           </a:p>
         </p:txBody>
       </p:sp>
@@ -36065,7 +35686,7 @@
           <a:lstStyle/>
           <a:p>
             <a:r>
-              <a:rPr lang="en-US" sz="5400" b="1" dirty="0" smtClean="0">
+              <a:rPr lang="en-US" sz="5400" b="1" dirty="0">
                 <a:ln w="10160">
                   <a:solidFill>
                     <a:schemeClr val="accent5"/>
@@ -36129,7 +35750,7 @@
           <a:lstStyle/>
           <a:p>
             <a:r>
-              <a:rPr lang="en-US" sz="5400" b="1" dirty="0" smtClean="0">
+              <a:rPr lang="en-US" sz="5400" b="1" dirty="0">
                 <a:ln w="10160">
                   <a:solidFill>
                     <a:schemeClr val="accent5"/>
@@ -36192,7 +35813,7 @@
           <a:lstStyle/>
           <a:p>
             <a:r>
-              <a:rPr lang="en-US" sz="6600" b="1" dirty="0" smtClean="0">
+              <a:rPr lang="en-US" sz="6600" b="1" dirty="0">
                 <a:ln w="10160">
                   <a:solidFill>
                     <a:schemeClr val="accent5"/>
@@ -36212,24 +35833,6 @@
               </a:rPr>
               <a:t>ANSWR_9</a:t>
             </a:r>
-            <a:endParaRPr lang="en-US" sz="6600" b="1" dirty="0">
-              <a:ln w="10160">
-                <a:solidFill>
-                  <a:schemeClr val="accent5"/>
-                </a:solidFill>
-                <a:prstDash val="solid"/>
-              </a:ln>
-              <a:solidFill>
-                <a:srgbClr val="FFFFFF"/>
-              </a:solidFill>
-              <a:effectLst>
-                <a:outerShdw blurRad="38100" dist="22860" dir="5400000" algn="tl" rotWithShape="0">
-                  <a:srgbClr val="000000">
-                    <a:alpha val="30000"/>
-                  </a:srgbClr>
-                </a:outerShdw>
-              </a:effectLst>
-            </a:endParaRPr>
           </a:p>
         </p:txBody>
       </p:sp>
@@ -36831,7 +36434,7 @@
           <a:lstStyle/>
           <a:p>
             <a:r>
-              <a:rPr lang="en-US" sz="5400" b="1" dirty="0" smtClean="0">
+              <a:rPr lang="en-US" sz="5400" b="1" dirty="0">
                 <a:ln w="10160">
                   <a:solidFill>
                     <a:schemeClr val="accent5"/>
@@ -36895,7 +36498,7 @@
           <a:lstStyle/>
           <a:p>
             <a:r>
-              <a:rPr lang="en-US" sz="5400" b="1" dirty="0" smtClean="0">
+              <a:rPr lang="en-US" sz="5400" b="1" dirty="0">
                 <a:ln w="10160">
                   <a:solidFill>
                     <a:schemeClr val="accent5"/>
@@ -36958,7 +36561,7 @@
           <a:lstStyle/>
           <a:p>
             <a:r>
-              <a:rPr lang="en-US" sz="6600" b="1" dirty="0" smtClean="0">
+              <a:rPr lang="en-US" sz="6600" b="1" dirty="0">
                 <a:ln w="10160">
                   <a:solidFill>
                     <a:schemeClr val="accent5"/>
@@ -36978,24 +36581,6 @@
               </a:rPr>
               <a:t>ANSWR_12</a:t>
             </a:r>
-            <a:endParaRPr lang="en-US" sz="6600" b="1" dirty="0">
-              <a:ln w="10160">
-                <a:solidFill>
-                  <a:schemeClr val="accent5"/>
-                </a:solidFill>
-                <a:prstDash val="solid"/>
-              </a:ln>
-              <a:solidFill>
-                <a:srgbClr val="FFFFFF"/>
-              </a:solidFill>
-              <a:effectLst>
-                <a:outerShdw blurRad="38100" dist="22860" dir="5400000" algn="tl" rotWithShape="0">
-                  <a:srgbClr val="000000">
-                    <a:alpha val="30000"/>
-                  </a:srgbClr>
-                </a:outerShdw>
-              </a:effectLst>
-            </a:endParaRPr>
           </a:p>
         </p:txBody>
       </p:sp>
@@ -37597,7 +37182,7 @@
           <a:lstStyle/>
           <a:p>
             <a:r>
-              <a:rPr lang="en-US" sz="5400" b="1" dirty="0" smtClean="0">
+              <a:rPr lang="en-US" sz="5400" b="1" dirty="0">
                 <a:ln w="10160">
                   <a:solidFill>
                     <a:schemeClr val="accent5"/>
@@ -37661,7 +37246,7 @@
           <a:lstStyle/>
           <a:p>
             <a:r>
-              <a:rPr lang="en-US" sz="5400" b="1" dirty="0" smtClean="0">
+              <a:rPr lang="en-US" sz="5400" b="1" dirty="0">
                 <a:ln w="10160">
                   <a:solidFill>
                     <a:schemeClr val="accent5"/>
@@ -37724,7 +37309,7 @@
           <a:lstStyle/>
           <a:p>
             <a:r>
-              <a:rPr lang="en-US" sz="6600" b="1" dirty="0" smtClean="0">
+              <a:rPr lang="en-US" sz="6600" b="1" dirty="0">
                 <a:ln w="10160">
                   <a:solidFill>
                     <a:schemeClr val="accent5"/>
@@ -37744,24 +37329,6 @@
               </a:rPr>
               <a:t>ANSWR_15</a:t>
             </a:r>
-            <a:endParaRPr lang="en-US" sz="6600" b="1" dirty="0">
-              <a:ln w="10160">
-                <a:solidFill>
-                  <a:schemeClr val="accent5"/>
-                </a:solidFill>
-                <a:prstDash val="solid"/>
-              </a:ln>
-              <a:solidFill>
-                <a:srgbClr val="FFFFFF"/>
-              </a:solidFill>
-              <a:effectLst>
-                <a:outerShdw blurRad="38100" dist="22860" dir="5400000" algn="tl" rotWithShape="0">
-                  <a:srgbClr val="000000">
-                    <a:alpha val="30000"/>
-                  </a:srgbClr>
-                </a:outerShdw>
-              </a:effectLst>
-            </a:endParaRPr>
           </a:p>
         </p:txBody>
       </p:sp>
